--- a/qt扫雷/Qt扫雷游戏ppt.pptx
+++ b/qt扫雷/Qt扫雷游戏ppt.pptx
@@ -219,7 +219,7 @@
           <a:p>
             <a:fld id="{1E9CFA6E-9B1E-4E81-AACB-AF1E3236D52B}" type="datetimeFigureOut">
               <a:rPr lang="zh-CN" altLang="en-US" smtClean="0"/>
-              <a:t>2021/6/29</a:t>
+              <a:t>2021/7/4</a:t>
             </a:fld>
             <a:endParaRPr lang="zh-CN" altLang="en-US"/>
           </a:p>
@@ -696,7 +696,7 @@
           <a:p>
             <a:fld id="{6F21B1EB-7DDA-4C5E-AD68-919690BB9EE6}" type="datetimeFigureOut">
               <a:rPr lang="zh-CN" altLang="en-US" smtClean="0"/>
-              <a:t>2021/6/29</a:t>
+              <a:t>2021/7/4</a:t>
             </a:fld>
             <a:endParaRPr lang="zh-CN" altLang="en-US"/>
           </a:p>
@@ -861,7 +861,7 @@
           <a:p>
             <a:fld id="{6F21B1EB-7DDA-4C5E-AD68-919690BB9EE6}" type="datetimeFigureOut">
               <a:rPr lang="zh-CN" altLang="en-US" smtClean="0"/>
-              <a:t>2021/6/29</a:t>
+              <a:t>2021/7/4</a:t>
             </a:fld>
             <a:endParaRPr lang="zh-CN" altLang="en-US"/>
           </a:p>
@@ -1036,7 +1036,7 @@
           <a:p>
             <a:fld id="{6F21B1EB-7DDA-4C5E-AD68-919690BB9EE6}" type="datetimeFigureOut">
               <a:rPr lang="zh-CN" altLang="en-US" smtClean="0"/>
-              <a:t>2021/6/29</a:t>
+              <a:t>2021/7/4</a:t>
             </a:fld>
             <a:endParaRPr lang="zh-CN" altLang="en-US"/>
           </a:p>
@@ -1201,7 +1201,7 @@
           <a:p>
             <a:fld id="{6F21B1EB-7DDA-4C5E-AD68-919690BB9EE6}" type="datetimeFigureOut">
               <a:rPr lang="zh-CN" altLang="en-US" smtClean="0"/>
-              <a:t>2021/6/29</a:t>
+              <a:t>2021/7/4</a:t>
             </a:fld>
             <a:endParaRPr lang="zh-CN" altLang="en-US"/>
           </a:p>
@@ -1440,7 +1440,7 @@
           <a:p>
             <a:fld id="{6F21B1EB-7DDA-4C5E-AD68-919690BB9EE6}" type="datetimeFigureOut">
               <a:rPr lang="zh-CN" altLang="en-US" smtClean="0"/>
-              <a:t>2021/6/29</a:t>
+              <a:t>2021/7/4</a:t>
             </a:fld>
             <a:endParaRPr lang="zh-CN" altLang="en-US"/>
           </a:p>
@@ -1667,7 +1667,7 @@
           <a:p>
             <a:fld id="{6F21B1EB-7DDA-4C5E-AD68-919690BB9EE6}" type="datetimeFigureOut">
               <a:rPr lang="zh-CN" altLang="en-US" smtClean="0"/>
-              <a:t>2021/6/29</a:t>
+              <a:t>2021/7/4</a:t>
             </a:fld>
             <a:endParaRPr lang="zh-CN" altLang="en-US"/>
           </a:p>
@@ -2029,7 +2029,7 @@
           <a:p>
             <a:fld id="{6F21B1EB-7DDA-4C5E-AD68-919690BB9EE6}" type="datetimeFigureOut">
               <a:rPr lang="zh-CN" altLang="en-US" smtClean="0"/>
-              <a:t>2021/6/29</a:t>
+              <a:t>2021/7/4</a:t>
             </a:fld>
             <a:endParaRPr lang="zh-CN" altLang="en-US"/>
           </a:p>
@@ -2142,7 +2142,7 @@
           <a:p>
             <a:fld id="{6F21B1EB-7DDA-4C5E-AD68-919690BB9EE6}" type="datetimeFigureOut">
               <a:rPr lang="zh-CN" altLang="en-US" smtClean="0"/>
-              <a:t>2021/6/29</a:t>
+              <a:t>2021/7/4</a:t>
             </a:fld>
             <a:endParaRPr lang="zh-CN" altLang="en-US"/>
           </a:p>
@@ -2232,7 +2232,7 @@
           <a:p>
             <a:fld id="{6F21B1EB-7DDA-4C5E-AD68-919690BB9EE6}" type="datetimeFigureOut">
               <a:rPr lang="zh-CN" altLang="en-US" smtClean="0"/>
-              <a:t>2021/6/29</a:t>
+              <a:t>2021/7/4</a:t>
             </a:fld>
             <a:endParaRPr lang="zh-CN" altLang="en-US"/>
           </a:p>
@@ -2504,7 +2504,7 @@
           <a:p>
             <a:fld id="{6F21B1EB-7DDA-4C5E-AD68-919690BB9EE6}" type="datetimeFigureOut">
               <a:rPr lang="zh-CN" altLang="en-US" smtClean="0"/>
-              <a:t>2021/6/29</a:t>
+              <a:t>2021/7/4</a:t>
             </a:fld>
             <a:endParaRPr lang="zh-CN" altLang="en-US"/>
           </a:p>
@@ -2756,7 +2756,7 @@
           <a:p>
             <a:fld id="{6F21B1EB-7DDA-4C5E-AD68-919690BB9EE6}" type="datetimeFigureOut">
               <a:rPr lang="zh-CN" altLang="en-US" smtClean="0"/>
-              <a:t>2021/6/29</a:t>
+              <a:t>2021/7/4</a:t>
             </a:fld>
             <a:endParaRPr lang="zh-CN" altLang="en-US"/>
           </a:p>
@@ -2964,7 +2964,7 @@
           <a:p>
             <a:fld id="{6F21B1EB-7DDA-4C5E-AD68-919690BB9EE6}" type="datetimeFigureOut">
               <a:rPr lang="zh-CN" altLang="en-US" smtClean="0"/>
-              <a:t>2021/6/29</a:t>
+              <a:t>2021/7/4</a:t>
             </a:fld>
             <a:endParaRPr lang="zh-CN" altLang="en-US"/>
           </a:p>
@@ -3507,7 +3507,7 @@
         <p:spPr>
           <a:xfrm>
             <a:off x="4525350" y="3953701"/>
-            <a:ext cx="3152915" cy="523220"/>
+            <a:ext cx="3374312" cy="954107"/>
           </a:xfrm>
           <a:prstGeom prst="rect">
             <a:avLst/>
@@ -3522,13 +3522,8 @@
           <a:p>
             <a:r>
               <a:rPr lang="zh-CN" altLang="en-US" sz="2800" b="1" dirty="0"/>
-              <a:t>成员：</a:t>
-            </a:r>
-            <a:r>
-              <a:rPr lang="zh-CN" altLang="en-US" sz="2800" b="1"/>
-              <a:t>严裕</a:t>
-            </a:r>
-            <a:endParaRPr lang="zh-CN" altLang="en-US" sz="2800" b="1" dirty="0"/>
+              <a:t>成员：严裕，左建军</a:t>
+            </a:r>
           </a:p>
         </p:txBody>
       </p:sp>

--- a/qt扫雷/Qt扫雷游戏ppt.pptx
+++ b/qt扫雷/Qt扫雷游戏ppt.pptx
@@ -3507,7 +3507,7 @@
         <p:spPr>
           <a:xfrm>
             <a:off x="4525350" y="3953701"/>
-            <a:ext cx="3374312" cy="954107"/>
+            <a:ext cx="3374312" cy="1384995"/>
           </a:xfrm>
           <a:prstGeom prst="rect">
             <a:avLst/>
@@ -3522,8 +3522,12 @@
           <a:p>
             <a:r>
               <a:rPr lang="zh-CN" altLang="en-US" sz="2800" b="1" dirty="0"/>
-              <a:t>成员：严裕，左建军</a:t>
-            </a:r>
+              <a:t>成员：严裕， 左建军</a:t>
+            </a:r>
+            <a:endParaRPr lang="en-US" altLang="zh-CN" sz="2800" b="1" dirty="0"/>
+          </a:p>
+          <a:p>
+            <a:endParaRPr lang="zh-CN" altLang="en-US" sz="2800" b="1" dirty="0"/>
           </a:p>
         </p:txBody>
       </p:sp>
